--- a/seminarski/SiteWhere.pptx
+++ b/seminarski/SiteWhere.pptx
@@ -205,7 +205,7 @@
           <a:p>
             <a:fld id="{314F054D-3339-4D59-8D0A-629F31917106}" type="datetimeFigureOut">
               <a:rPr lang="sr-Latn-RS" smtClean="0"/>
-              <a:t>26.4.2020.</a:t>
+              <a:t>28.4.2020.</a:t>
             </a:fld>
             <a:endParaRPr lang="sr-Latn-RS"/>
           </a:p>
@@ -699,7 +699,7 @@
           <a:p>
             <a:fld id="{801DAFC6-E187-4690-9120-221A4FEB5739}" type="datetimeFigureOut">
               <a:rPr lang="sr-Latn-RS" smtClean="0"/>
-              <a:t>26.4.2020.</a:t>
+              <a:t>28.4.2020.</a:t>
             </a:fld>
             <a:endParaRPr lang="sr-Latn-RS"/>
           </a:p>
@@ -907,7 +907,7 @@
           <a:p>
             <a:fld id="{801DAFC6-E187-4690-9120-221A4FEB5739}" type="datetimeFigureOut">
               <a:rPr lang="sr-Latn-RS" smtClean="0"/>
-              <a:t>26.4.2020.</a:t>
+              <a:t>28.4.2020.</a:t>
             </a:fld>
             <a:endParaRPr lang="sr-Latn-RS"/>
           </a:p>
@@ -1163,7 +1163,7 @@
           <a:p>
             <a:fld id="{801DAFC6-E187-4690-9120-221A4FEB5739}" type="datetimeFigureOut">
               <a:rPr lang="sr-Latn-RS" smtClean="0"/>
-              <a:t>26.4.2020.</a:t>
+              <a:t>28.4.2020.</a:t>
             </a:fld>
             <a:endParaRPr lang="sr-Latn-RS"/>
           </a:p>
@@ -1337,7 +1337,7 @@
           <a:p>
             <a:fld id="{801DAFC6-E187-4690-9120-221A4FEB5739}" type="datetimeFigureOut">
               <a:rPr lang="sr-Latn-RS" smtClean="0"/>
-              <a:t>26.4.2020.</a:t>
+              <a:t>28.4.2020.</a:t>
             </a:fld>
             <a:endParaRPr lang="sr-Latn-RS"/>
           </a:p>
@@ -1680,7 +1680,7 @@
           <a:p>
             <a:fld id="{801DAFC6-E187-4690-9120-221A4FEB5739}" type="datetimeFigureOut">
               <a:rPr lang="sr-Latn-RS" smtClean="0"/>
-              <a:t>26.4.2020.</a:t>
+              <a:t>28.4.2020.</a:t>
             </a:fld>
             <a:endParaRPr lang="sr-Latn-RS"/>
           </a:p>
@@ -1955,7 +1955,7 @@
           <a:p>
             <a:fld id="{801DAFC6-E187-4690-9120-221A4FEB5739}" type="datetimeFigureOut">
               <a:rPr lang="sr-Latn-RS" smtClean="0"/>
-              <a:t>26.4.2020.</a:t>
+              <a:t>28.4.2020.</a:t>
             </a:fld>
             <a:endParaRPr lang="sr-Latn-RS"/>
           </a:p>
@@ -2334,7 +2334,7 @@
           <a:p>
             <a:fld id="{801DAFC6-E187-4690-9120-221A4FEB5739}" type="datetimeFigureOut">
               <a:rPr lang="sr-Latn-RS" smtClean="0"/>
-              <a:t>26.4.2020.</a:t>
+              <a:t>28.4.2020.</a:t>
             </a:fld>
             <a:endParaRPr lang="sr-Latn-RS"/>
           </a:p>
@@ -2452,7 +2452,7 @@
           <a:p>
             <a:fld id="{801DAFC6-E187-4690-9120-221A4FEB5739}" type="datetimeFigureOut">
               <a:rPr lang="sr-Latn-RS" smtClean="0"/>
-              <a:t>26.4.2020.</a:t>
+              <a:t>28.4.2020.</a:t>
             </a:fld>
             <a:endParaRPr lang="sr-Latn-RS"/>
           </a:p>
@@ -2623,7 +2623,7 @@
           <a:p>
             <a:fld id="{801DAFC6-E187-4690-9120-221A4FEB5739}" type="datetimeFigureOut">
               <a:rPr lang="sr-Latn-RS" smtClean="0"/>
-              <a:t>26.4.2020.</a:t>
+              <a:t>28.4.2020.</a:t>
             </a:fld>
             <a:endParaRPr lang="sr-Latn-RS"/>
           </a:p>
@@ -2977,7 +2977,7 @@
           <a:p>
             <a:fld id="{801DAFC6-E187-4690-9120-221A4FEB5739}" type="datetimeFigureOut">
               <a:rPr lang="sr-Latn-RS" smtClean="0"/>
-              <a:t>26.4.2020.</a:t>
+              <a:t>28.4.2020.</a:t>
             </a:fld>
             <a:endParaRPr lang="sr-Latn-RS"/>
           </a:p>
@@ -3359,7 +3359,7 @@
           <a:p>
             <a:fld id="{801DAFC6-E187-4690-9120-221A4FEB5739}" type="datetimeFigureOut">
               <a:rPr lang="sr-Latn-RS" smtClean="0"/>
-              <a:t>26.4.2020.</a:t>
+              <a:t>28.4.2020.</a:t>
             </a:fld>
             <a:endParaRPr lang="sr-Latn-RS"/>
           </a:p>
@@ -3646,7 +3646,7 @@
           <a:p>
             <a:fld id="{801DAFC6-E187-4690-9120-221A4FEB5739}" type="datetimeFigureOut">
               <a:rPr lang="sr-Latn-RS" smtClean="0"/>
-              <a:t>26.4.2020.</a:t>
+              <a:t>28.4.2020.</a:t>
             </a:fld>
             <a:endParaRPr lang="sr-Latn-RS"/>
           </a:p>
@@ -5044,7 +5044,7 @@
         <p:spPr/>
         <p:txBody>
           <a:bodyPr>
-            <a:normAutofit/>
+            <a:normAutofit lnSpcReduction="10000"/>
           </a:bodyPr>
           <a:lstStyle/>
           <a:p>
@@ -5100,7 +5100,35 @@
             </a:r>
             <a:r>
               <a:rPr lang="sr-Latn-RS" dirty="0"/>
-              <a:t>-a) da bi mogao razmenjivati podatke. Pri registraciji, uređaj mora odabrati </a:t>
+              <a:t>-a</a:t>
+            </a:r>
+            <a:r>
+              <a:rPr lang="en-US" dirty="0"/>
+              <a:t>, </a:t>
+            </a:r>
+            <a:r>
+              <a:rPr lang="en-US" dirty="0" err="1"/>
+              <a:t>putem</a:t>
+            </a:r>
+            <a:r>
+              <a:rPr lang="en-US" dirty="0"/>
+              <a:t> API-ja </a:t>
+            </a:r>
+            <a:r>
+              <a:rPr lang="en-US" dirty="0" err="1"/>
+              <a:t>ili</a:t>
+            </a:r>
+            <a:r>
+              <a:rPr lang="en-US" dirty="0"/>
+              <a:t> web </a:t>
+            </a:r>
+            <a:r>
+              <a:rPr lang="en-US" dirty="0" err="1"/>
+              <a:t>aplikacije</a:t>
+            </a:r>
+            <a:r>
+              <a:rPr lang="sr-Latn-RS" dirty="0"/>
+              <a:t>) da bi mogao razmenjivati podatke. Pri registraciji, uređaj mora odabrati </a:t>
             </a:r>
             <a:r>
               <a:rPr lang="sr-Latn-RS" b="1" dirty="0"/>
@@ -5158,7 +5186,27 @@
           <a:p>
             <a:r>
               <a:rPr lang="sr-Latn-RS" dirty="0"/>
-              <a:t>Uređaj mora imati mogućnost da osluškuje komande sa MQTT servisa i na osnovu njih izvršavati implementirane prethodno operacije.</a:t>
+              <a:t>Uređaj mora imati mogućnost da osluškuje komande sa MQTT servisa i</a:t>
+            </a:r>
+            <a:r>
+              <a:rPr lang="en-US" dirty="0"/>
+              <a:t> da</a:t>
+            </a:r>
+            <a:r>
+              <a:rPr lang="sr-Latn-RS" dirty="0"/>
+              <a:t> na osnovu njih izvršava prethodno</a:t>
+            </a:r>
+            <a:r>
+              <a:rPr lang="en-US" dirty="0"/>
+              <a:t> </a:t>
+            </a:r>
+            <a:r>
+              <a:rPr lang="en-US" dirty="0" err="1"/>
+              <a:t>implementirane</a:t>
+            </a:r>
+            <a:r>
+              <a:rPr lang="sr-Latn-RS" dirty="0"/>
+              <a:t> operacije.</a:t>
             </a:r>
           </a:p>
           <a:p>
